--- a/04 - Cr MagOpt/Picture/HighE.pptx
+++ b/04 - Cr MagOpt/Picture/HighE.pptx
@@ -288,7 +288,7 @@
           <a:p>
             <a:fld id="{E9DCA1CB-FBCD-47D8-96AD-A5C199AF58B5}" type="datetimeFigureOut">
               <a:rPr lang="fr-FR" smtClean="0"/>
-              <a:t>24/03/2017</a:t>
+              <a:t>31/03/2017</a:t>
             </a:fld>
             <a:endParaRPr lang="fr-FR"/>
           </a:p>
@@ -458,7 +458,7 @@
           <a:p>
             <a:fld id="{E9DCA1CB-FBCD-47D8-96AD-A5C199AF58B5}" type="datetimeFigureOut">
               <a:rPr lang="fr-FR" smtClean="0"/>
-              <a:t>24/03/2017</a:t>
+              <a:t>31/03/2017</a:t>
             </a:fld>
             <a:endParaRPr lang="fr-FR"/>
           </a:p>
@@ -638,7 +638,7 @@
           <a:p>
             <a:fld id="{E9DCA1CB-FBCD-47D8-96AD-A5C199AF58B5}" type="datetimeFigureOut">
               <a:rPr lang="fr-FR" smtClean="0"/>
-              <a:t>24/03/2017</a:t>
+              <a:t>31/03/2017</a:t>
             </a:fld>
             <a:endParaRPr lang="fr-FR"/>
           </a:p>
@@ -808,7 +808,7 @@
           <a:p>
             <a:fld id="{E9DCA1CB-FBCD-47D8-96AD-A5C199AF58B5}" type="datetimeFigureOut">
               <a:rPr lang="fr-FR" smtClean="0"/>
-              <a:t>24/03/2017</a:t>
+              <a:t>31/03/2017</a:t>
             </a:fld>
             <a:endParaRPr lang="fr-FR"/>
           </a:p>
@@ -1054,7 +1054,7 @@
           <a:p>
             <a:fld id="{E9DCA1CB-FBCD-47D8-96AD-A5C199AF58B5}" type="datetimeFigureOut">
               <a:rPr lang="fr-FR" smtClean="0"/>
-              <a:t>24/03/2017</a:t>
+              <a:t>31/03/2017</a:t>
             </a:fld>
             <a:endParaRPr lang="fr-FR"/>
           </a:p>
@@ -1342,7 +1342,7 @@
           <a:p>
             <a:fld id="{E9DCA1CB-FBCD-47D8-96AD-A5C199AF58B5}" type="datetimeFigureOut">
               <a:rPr lang="fr-FR" smtClean="0"/>
-              <a:t>24/03/2017</a:t>
+              <a:t>31/03/2017</a:t>
             </a:fld>
             <a:endParaRPr lang="fr-FR"/>
           </a:p>
@@ -1769,7 +1769,7 @@
           <a:p>
             <a:fld id="{E9DCA1CB-FBCD-47D8-96AD-A5C199AF58B5}" type="datetimeFigureOut">
               <a:rPr lang="fr-FR" smtClean="0"/>
-              <a:t>24/03/2017</a:t>
+              <a:t>31/03/2017</a:t>
             </a:fld>
             <a:endParaRPr lang="fr-FR"/>
           </a:p>
@@ -1887,7 +1887,7 @@
           <a:p>
             <a:fld id="{E9DCA1CB-FBCD-47D8-96AD-A5C199AF58B5}" type="datetimeFigureOut">
               <a:rPr lang="fr-FR" smtClean="0"/>
-              <a:t>24/03/2017</a:t>
+              <a:t>31/03/2017</a:t>
             </a:fld>
             <a:endParaRPr lang="fr-FR"/>
           </a:p>
@@ -1982,7 +1982,7 @@
           <a:p>
             <a:fld id="{E9DCA1CB-FBCD-47D8-96AD-A5C199AF58B5}" type="datetimeFigureOut">
               <a:rPr lang="fr-FR" smtClean="0"/>
-              <a:t>24/03/2017</a:t>
+              <a:t>31/03/2017</a:t>
             </a:fld>
             <a:endParaRPr lang="fr-FR"/>
           </a:p>
@@ -2259,7 +2259,7 @@
           <a:p>
             <a:fld id="{E9DCA1CB-FBCD-47D8-96AD-A5C199AF58B5}" type="datetimeFigureOut">
               <a:rPr lang="fr-FR" smtClean="0"/>
-              <a:t>24/03/2017</a:t>
+              <a:t>31/03/2017</a:t>
             </a:fld>
             <a:endParaRPr lang="fr-FR"/>
           </a:p>
@@ -2512,7 +2512,7 @@
           <a:p>
             <a:fld id="{E9DCA1CB-FBCD-47D8-96AD-A5C199AF58B5}" type="datetimeFigureOut">
               <a:rPr lang="fr-FR" smtClean="0"/>
-              <a:t>24/03/2017</a:t>
+              <a:t>31/03/2017</a:t>
             </a:fld>
             <a:endParaRPr lang="fr-FR"/>
           </a:p>
@@ -2725,7 +2725,7 @@
           <a:p>
             <a:fld id="{E9DCA1CB-FBCD-47D8-96AD-A5C199AF58B5}" type="datetimeFigureOut">
               <a:rPr lang="fr-FR" smtClean="0"/>
-              <a:t>24/03/2017</a:t>
+              <a:t>31/03/2017</a:t>
             </a:fld>
             <a:endParaRPr lang="fr-FR"/>
           </a:p>
@@ -3100,134 +3100,356 @@
           <a:chExt cx="0" cy="0"/>
         </a:xfrm>
       </p:grpSpPr>
-      <p:pic>
-        <p:nvPicPr>
-          <p:cNvPr id="4" name="Picture 4"/>
-          <p:cNvPicPr>
-            <a:picLocks noChangeAspect="1" noChangeArrowheads="1"/>
-          </p:cNvPicPr>
+      <p:grpSp>
+        <p:nvGrpSpPr>
+          <p:cNvPr id="9" name="Groupe 8"/>
+          <p:cNvGrpSpPr/>
           <p:nvPr/>
-        </p:nvPicPr>
-        <p:blipFill>
-          <a:blip r:embed="rId2">
+        </p:nvGrpSpPr>
+        <p:grpSpPr>
+          <a:xfrm>
+            <a:off x="-57600" y="137609"/>
+            <a:ext cx="5851446" cy="10980000"/>
+            <a:chOff x="-57600" y="137609"/>
+            <a:chExt cx="5851446" cy="10980000"/>
+          </a:xfrm>
+        </p:grpSpPr>
+        <p:pic>
+          <p:nvPicPr>
+            <p:cNvPr id="1027" name="Picture 3"/>
+            <p:cNvPicPr>
+              <a:picLocks noChangeAspect="1" noChangeArrowheads="1"/>
+            </p:cNvPicPr>
+            <p:nvPr/>
+          </p:nvPicPr>
+          <p:blipFill>
+            <a:blip r:embed="rId2">
+              <a:extLst>
+                <a:ext uri="{28A0092B-C50C-407E-A947-70E740481C1C}">
+                  <a14:useLocalDpi xmlns:a14="http://schemas.microsoft.com/office/drawing/2010/main" val="0"/>
+                </a:ext>
+              </a:extLst>
+            </a:blip>
+            <a:srcRect/>
+            <a:stretch>
+              <a:fillRect/>
+            </a:stretch>
+          </p:blipFill>
+          <p:spPr bwMode="auto">
+            <a:xfrm>
+              <a:off x="-57600" y="137609"/>
+              <a:ext cx="5851446" cy="10980000"/>
+            </a:xfrm>
+            <a:prstGeom prst="rect">
+              <a:avLst/>
+            </a:prstGeom>
+            <a:noFill/>
+            <a:ln>
+              <a:noFill/>
+            </a:ln>
+            <a:effectLst/>
             <a:extLst>
-              <a:ext uri="{28A0092B-C50C-407E-A947-70E740481C1C}">
-                <a14:useLocalDpi xmlns:a14="http://schemas.microsoft.com/office/drawing/2010/main" val="0"/>
+              <a:ext uri="{909E8E84-426E-40DD-AFC4-6F175D3DCCD1}">
+                <a14:hiddenFill xmlns:a14="http://schemas.microsoft.com/office/drawing/2010/main">
+                  <a:solidFill>
+                    <a:schemeClr val="accent1"/>
+                  </a:solidFill>
+                </a14:hiddenFill>
+              </a:ext>
+              <a:ext uri="{91240B29-F687-4F45-9708-019B960494DF}">
+                <a14:hiddenLine xmlns:a14="http://schemas.microsoft.com/office/drawing/2010/main" w="9525">
+                  <a:solidFill>
+                    <a:schemeClr val="tx1"/>
+                  </a:solidFill>
+                  <a:miter lim="800000"/>
+                  <a:headEnd/>
+                  <a:tailEnd/>
+                </a14:hiddenLine>
+              </a:ext>
+              <a:ext uri="{AF507438-7753-43E0-B8FC-AC1667EBCBE1}">
+                <a14:hiddenEffects xmlns:a14="http://schemas.microsoft.com/office/drawing/2010/main">
+                  <a:effectLst>
+                    <a:outerShdw dist="35921" dir="2700000" algn="ctr" rotWithShape="0">
+                      <a:schemeClr val="bg2"/>
+                    </a:outerShdw>
+                  </a:effectLst>
+                </a14:hiddenEffects>
               </a:ext>
             </a:extLst>
-          </a:blip>
-          <a:srcRect/>
-          <a:stretch>
-            <a:fillRect/>
-          </a:stretch>
-        </p:blipFill>
-        <p:spPr bwMode="auto">
+          </p:spPr>
+        </p:pic>
+        <p:sp>
+          <p:nvSpPr>
+            <p:cNvPr id="3" name="Rectangle 2"/>
+            <p:cNvSpPr/>
+            <p:nvPr/>
+          </p:nvSpPr>
+          <p:spPr>
+            <a:xfrm>
+              <a:off x="558000" y="8064000"/>
+              <a:ext cx="94058" cy="288032"/>
+            </a:xfrm>
+            <a:prstGeom prst="rect">
+              <a:avLst/>
+            </a:prstGeom>
+            <a:solidFill>
+              <a:schemeClr val="bg1"/>
+            </a:solidFill>
+            <a:ln>
+              <a:solidFill>
+                <a:schemeClr val="bg1"/>
+              </a:solidFill>
+            </a:ln>
+          </p:spPr>
+          <p:style>
+            <a:lnRef idx="2">
+              <a:schemeClr val="accent1">
+                <a:shade val="50000"/>
+              </a:schemeClr>
+            </a:lnRef>
+            <a:fillRef idx="1">
+              <a:schemeClr val="accent1"/>
+            </a:fillRef>
+            <a:effectRef idx="0">
+              <a:schemeClr val="accent1"/>
+            </a:effectRef>
+            <a:fontRef idx="minor">
+              <a:schemeClr val="lt1"/>
+            </a:fontRef>
+          </p:style>
+          <p:txBody>
+            <a:bodyPr rtlCol="0" anchor="ctr"/>
+            <a:lstStyle/>
+            <a:p>
+              <a:pPr algn="ctr"/>
+              <a:endParaRPr lang="fr-FR"/>
+            </a:p>
+          </p:txBody>
+        </p:sp>
+        <p:sp>
+          <p:nvSpPr>
+            <p:cNvPr id="12" name="Rectangle 11"/>
+            <p:cNvSpPr/>
+            <p:nvPr/>
+          </p:nvSpPr>
+          <p:spPr>
+            <a:xfrm>
+              <a:off x="463924" y="9900000"/>
+              <a:ext cx="94058" cy="288032"/>
+            </a:xfrm>
+            <a:prstGeom prst="rect">
+              <a:avLst/>
+            </a:prstGeom>
+            <a:solidFill>
+              <a:schemeClr val="bg1"/>
+            </a:solidFill>
+            <a:ln>
+              <a:solidFill>
+                <a:schemeClr val="bg1"/>
+              </a:solidFill>
+            </a:ln>
+          </p:spPr>
+          <p:style>
+            <a:lnRef idx="2">
+              <a:schemeClr val="accent1">
+                <a:shade val="50000"/>
+              </a:schemeClr>
+            </a:lnRef>
+            <a:fillRef idx="1">
+              <a:schemeClr val="accent1"/>
+            </a:fillRef>
+            <a:effectRef idx="0">
+              <a:schemeClr val="accent1"/>
+            </a:effectRef>
+            <a:fontRef idx="minor">
+              <a:schemeClr val="lt1"/>
+            </a:fontRef>
+          </p:style>
+          <p:txBody>
+            <a:bodyPr rtlCol="0" anchor="ctr"/>
+            <a:lstStyle/>
+            <a:p>
+              <a:pPr algn="ctr"/>
+              <a:endParaRPr lang="fr-FR"/>
+            </a:p>
+          </p:txBody>
+        </p:sp>
+      </p:grpSp>
+      <p:grpSp>
+        <p:nvGrpSpPr>
+          <p:cNvPr id="6" name="Groupe 5"/>
+          <p:cNvGrpSpPr/>
+          <p:nvPr/>
+        </p:nvGrpSpPr>
+        <p:grpSpPr>
           <a:xfrm>
-            <a:off x="-57600" y="180256"/>
-            <a:ext cx="5846762" cy="10971212"/>
+            <a:off x="5472000" y="137609"/>
+            <a:ext cx="5846763" cy="10980737"/>
+            <a:chOff x="5472000" y="137609"/>
+            <a:chExt cx="5846763" cy="10980737"/>
           </a:xfrm>
-          <a:prstGeom prst="rect">
-            <a:avLst/>
-          </a:prstGeom>
-          <a:noFill/>
-          <a:ln>
+        </p:grpSpPr>
+        <p:pic>
+          <p:nvPicPr>
+            <p:cNvPr id="1026" name="Picture 2"/>
+            <p:cNvPicPr>
+              <a:picLocks noChangeAspect="1" noChangeArrowheads="1"/>
+            </p:cNvPicPr>
+            <p:nvPr/>
+          </p:nvPicPr>
+          <p:blipFill>
+            <a:blip r:embed="rId3">
+              <a:extLst>
+                <a:ext uri="{28A0092B-C50C-407E-A947-70E740481C1C}">
+                  <a14:useLocalDpi xmlns:a14="http://schemas.microsoft.com/office/drawing/2010/main" val="0"/>
+                </a:ext>
+              </a:extLst>
+            </a:blip>
+            <a:srcRect/>
+            <a:stretch>
+              <a:fillRect/>
+            </a:stretch>
+          </p:blipFill>
+          <p:spPr bwMode="auto">
+            <a:xfrm>
+              <a:off x="5472000" y="137609"/>
+              <a:ext cx="5846763" cy="10980737"/>
+            </a:xfrm>
+            <a:prstGeom prst="rect">
+              <a:avLst/>
+            </a:prstGeom>
             <a:noFill/>
-          </a:ln>
-          <a:effectLst/>
-          <a:extLst>
-            <a:ext uri="{909E8E84-426E-40DD-AFC4-6F175D3DCCD1}">
-              <a14:hiddenFill xmlns:a14="http://schemas.microsoft.com/office/drawing/2010/main">
-                <a:solidFill>
-                  <a:schemeClr val="accent1"/>
-                </a:solidFill>
-              </a14:hiddenFill>
-            </a:ext>
-            <a:ext uri="{91240B29-F687-4F45-9708-019B960494DF}">
-              <a14:hiddenLine xmlns:a14="http://schemas.microsoft.com/office/drawing/2010/main" w="9525">
-                <a:solidFill>
-                  <a:schemeClr val="tx1"/>
-                </a:solidFill>
-                <a:miter lim="800000"/>
-                <a:headEnd/>
-                <a:tailEnd/>
-              </a14:hiddenLine>
-            </a:ext>
-            <a:ext uri="{AF507438-7753-43E0-B8FC-AC1667EBCBE1}">
-              <a14:hiddenEffects xmlns:a14="http://schemas.microsoft.com/office/drawing/2010/main">
-                <a:effectLst>
-                  <a:outerShdw dist="35921" dir="2700000" algn="ctr" rotWithShape="0">
-                    <a:schemeClr val="bg2"/>
-                  </a:outerShdw>
-                </a:effectLst>
-              </a14:hiddenEffects>
-            </a:ext>
-          </a:extLst>
-        </p:spPr>
-      </p:pic>
-      <p:pic>
-        <p:nvPicPr>
-          <p:cNvPr id="5" name="Picture 3"/>
-          <p:cNvPicPr>
-            <a:picLocks noChangeAspect="1" noChangeArrowheads="1"/>
-          </p:cNvPicPr>
-          <p:nvPr/>
-        </p:nvPicPr>
-        <p:blipFill>
-          <a:blip r:embed="rId3">
+            <a:ln>
+              <a:noFill/>
+            </a:ln>
+            <a:effectLst/>
             <a:extLst>
-              <a:ext uri="{28A0092B-C50C-407E-A947-70E740481C1C}">
-                <a14:useLocalDpi xmlns:a14="http://schemas.microsoft.com/office/drawing/2010/main" val="0"/>
+              <a:ext uri="{909E8E84-426E-40DD-AFC4-6F175D3DCCD1}">
+                <a14:hiddenFill xmlns:a14="http://schemas.microsoft.com/office/drawing/2010/main">
+                  <a:solidFill>
+                    <a:schemeClr val="accent1"/>
+                  </a:solidFill>
+                </a14:hiddenFill>
+              </a:ext>
+              <a:ext uri="{91240B29-F687-4F45-9708-019B960494DF}">
+                <a14:hiddenLine xmlns:a14="http://schemas.microsoft.com/office/drawing/2010/main" w="9525">
+                  <a:solidFill>
+                    <a:schemeClr val="tx1"/>
+                  </a:solidFill>
+                  <a:miter lim="800000"/>
+                  <a:headEnd/>
+                  <a:tailEnd/>
+                </a14:hiddenLine>
+              </a:ext>
+              <a:ext uri="{AF507438-7753-43E0-B8FC-AC1667EBCBE1}">
+                <a14:hiddenEffects xmlns:a14="http://schemas.microsoft.com/office/drawing/2010/main">
+                  <a:effectLst>
+                    <a:outerShdw dist="35921" dir="2700000" algn="ctr" rotWithShape="0">
+                      <a:schemeClr val="bg2"/>
+                    </a:outerShdw>
+                  </a:effectLst>
+                </a14:hiddenEffects>
               </a:ext>
             </a:extLst>
-          </a:blip>
-          <a:srcRect/>
-          <a:stretch>
-            <a:fillRect/>
-          </a:stretch>
-        </p:blipFill>
-        <p:spPr bwMode="auto">
-          <a:xfrm>
-            <a:off x="5472000" y="180256"/>
-            <a:ext cx="5846762" cy="10980738"/>
-          </a:xfrm>
-          <a:prstGeom prst="rect">
-            <a:avLst/>
-          </a:prstGeom>
-          <a:noFill/>
-          <a:ln>
-            <a:noFill/>
-          </a:ln>
-          <a:effectLst/>
-          <a:extLst>
-            <a:ext uri="{909E8E84-426E-40DD-AFC4-6F175D3DCCD1}">
-              <a14:hiddenFill xmlns:a14="http://schemas.microsoft.com/office/drawing/2010/main">
-                <a:solidFill>
-                  <a:schemeClr val="accent1"/>
-                </a:solidFill>
-              </a14:hiddenFill>
-            </a:ext>
-            <a:ext uri="{91240B29-F687-4F45-9708-019B960494DF}">
-              <a14:hiddenLine xmlns:a14="http://schemas.microsoft.com/office/drawing/2010/main" w="9525">
-                <a:solidFill>
-                  <a:schemeClr val="tx1"/>
-                </a:solidFill>
-                <a:miter lim="800000"/>
-                <a:headEnd/>
-                <a:tailEnd/>
-              </a14:hiddenLine>
-            </a:ext>
-            <a:ext uri="{AF507438-7753-43E0-B8FC-AC1667EBCBE1}">
-              <a14:hiddenEffects xmlns:a14="http://schemas.microsoft.com/office/drawing/2010/main">
-                <a:effectLst>
-                  <a:outerShdw dist="35921" dir="2700000" algn="ctr" rotWithShape="0">
-                    <a:schemeClr val="bg2"/>
-                  </a:outerShdw>
-                </a:effectLst>
-              </a14:hiddenEffects>
-            </a:ext>
-          </a:extLst>
-        </p:spPr>
-      </p:pic>
+          </p:spPr>
+        </p:pic>
+        <p:sp>
+          <p:nvSpPr>
+            <p:cNvPr id="13" name="Rectangle 12"/>
+            <p:cNvSpPr/>
+            <p:nvPr/>
+          </p:nvSpPr>
+          <p:spPr>
+            <a:xfrm>
+              <a:off x="6084000" y="8064000"/>
+              <a:ext cx="94058" cy="288032"/>
+            </a:xfrm>
+            <a:prstGeom prst="rect">
+              <a:avLst/>
+            </a:prstGeom>
+            <a:solidFill>
+              <a:schemeClr val="bg1"/>
+            </a:solidFill>
+            <a:ln>
+              <a:solidFill>
+                <a:schemeClr val="bg1"/>
+              </a:solidFill>
+            </a:ln>
+          </p:spPr>
+          <p:style>
+            <a:lnRef idx="2">
+              <a:schemeClr val="accent1">
+                <a:shade val="50000"/>
+              </a:schemeClr>
+            </a:lnRef>
+            <a:fillRef idx="1">
+              <a:schemeClr val="accent1"/>
+            </a:fillRef>
+            <a:effectRef idx="0">
+              <a:schemeClr val="accent1"/>
+            </a:effectRef>
+            <a:fontRef idx="minor">
+              <a:schemeClr val="lt1"/>
+            </a:fontRef>
+          </p:style>
+          <p:txBody>
+            <a:bodyPr rtlCol="0" anchor="ctr"/>
+            <a:lstStyle/>
+            <a:p>
+              <a:pPr algn="ctr"/>
+              <a:endParaRPr lang="fr-FR"/>
+            </a:p>
+          </p:txBody>
+        </p:sp>
+        <p:sp>
+          <p:nvSpPr>
+            <p:cNvPr id="14" name="Rectangle 13"/>
+            <p:cNvSpPr/>
+            <p:nvPr/>
+          </p:nvSpPr>
+          <p:spPr>
+            <a:xfrm>
+              <a:off x="5994000" y="9900000"/>
+              <a:ext cx="94058" cy="288032"/>
+            </a:xfrm>
+            <a:prstGeom prst="rect">
+              <a:avLst/>
+            </a:prstGeom>
+            <a:solidFill>
+              <a:schemeClr val="bg1"/>
+            </a:solidFill>
+            <a:ln>
+              <a:solidFill>
+                <a:schemeClr val="bg1"/>
+              </a:solidFill>
+            </a:ln>
+          </p:spPr>
+          <p:style>
+            <a:lnRef idx="2">
+              <a:schemeClr val="accent1">
+                <a:shade val="50000"/>
+              </a:schemeClr>
+            </a:lnRef>
+            <a:fillRef idx="1">
+              <a:schemeClr val="accent1"/>
+            </a:fillRef>
+            <a:effectRef idx="0">
+              <a:schemeClr val="accent1"/>
+            </a:effectRef>
+            <a:fontRef idx="minor">
+              <a:schemeClr val="lt1"/>
+            </a:fontRef>
+          </p:style>
+          <p:txBody>
+            <a:bodyPr rtlCol="0" anchor="ctr"/>
+            <a:lstStyle/>
+            <a:p>
+              <a:pPr algn="ctr"/>
+              <a:endParaRPr lang="fr-FR"/>
+            </a:p>
+          </p:txBody>
+        </p:sp>
+      </p:grpSp>
       <p:sp>
         <p:nvSpPr>
           <p:cNvPr id="2" name="ZoneTexte 1"/>
@@ -3236,7 +3458,7 @@
         </p:nvSpPr>
         <p:spPr>
           <a:xfrm>
-            <a:off x="-18082" y="6623"/>
+            <a:off x="-18082" y="-35768"/>
             <a:ext cx="526106" cy="461665"/>
           </a:xfrm>
           <a:prstGeom prst="rect">
@@ -3272,7 +3494,7 @@
         </p:nvSpPr>
         <p:spPr>
           <a:xfrm>
-            <a:off x="5598542" y="6623"/>
+            <a:off x="5598542" y="-35768"/>
             <a:ext cx="526106" cy="461665"/>
           </a:xfrm>
           <a:prstGeom prst="rect">
@@ -3308,7 +3530,7 @@
         </p:nvSpPr>
         <p:spPr>
           <a:xfrm>
-            <a:off x="14243" y="2310879"/>
+            <a:off x="14243" y="2268488"/>
             <a:ext cx="543739" cy="461665"/>
           </a:xfrm>
           <a:prstGeom prst="rect">
@@ -3344,7 +3566,7 @@
         </p:nvSpPr>
         <p:spPr>
           <a:xfrm>
-            <a:off x="5598542" y="2311200"/>
+            <a:off x="5598542" y="2268809"/>
             <a:ext cx="543739" cy="461665"/>
           </a:xfrm>
           <a:prstGeom prst="rect">
